--- a/Complimentary Course Content/Module3/Lessons/Module3_Lesson07 Developing Windows Apps with Xamarin.pptx
+++ b/Complimentary Course Content/Module3/Lessons/Module3_Lesson07 Developing Windows Apps with Xamarin.pptx
@@ -133,7 +133,7 @@
   </p:defaultTextStyle>
   <p:extLst>
     <p:ext uri="{EFAFB233-063F-42B5-8137-9DF3F51BA10A}">
-      <p15:sldGuideLst xmlns="" xmlns:p15="http://schemas.microsoft.com/office/powerpoint/2012/main">
+      <p15:sldGuideLst xmlns:p15="http://schemas.microsoft.com/office/powerpoint/2012/main">
         <p15:guide id="1" orient="horz" pos="2160">
           <p15:clr>
             <a:srgbClr val="A4A3A4"/>
@@ -232,7 +232,7 @@
           <a:p>
             <a:fld id="{49B60EF2-7028-489F-85D8-FE86CD7CF2A0}" type="datetimeFigureOut">
               <a:rPr lang="en-US" smtClean="0"/>
-              <a:t>7/7/16</a:t>
+              <a:t>9/9/16</a:t>
             </a:fld>
             <a:endParaRPr lang="en-US"/>
           </a:p>
@@ -543,6 +543,117 @@
           <a:bodyPr/>
           <a:lstStyle/>
           <a:p>
+            <a:r>
+              <a:rPr lang="en-US" sz="1200" b="0" i="0" kern="1200" dirty="0" smtClean="0">
+                <a:solidFill>
+                  <a:schemeClr val="tx1"/>
+                </a:solidFill>
+                <a:effectLst/>
+                <a:latin typeface="+mn-lt"/>
+                <a:ea typeface="+mn-ea"/>
+                <a:cs typeface="+mn-cs"/>
+              </a:rPr>
+              <a:t>Images and excerpts from </a:t>
+            </a:r>
+            <a:r>
+              <a:rPr lang="en-US" sz="1200" b="0" i="1" kern="1200" dirty="0" err="1" smtClean="0">
+                <a:solidFill>
+                  <a:schemeClr val="tx1"/>
+                </a:solidFill>
+                <a:effectLst/>
+                <a:latin typeface="+mn-lt"/>
+                <a:ea typeface="+mn-ea"/>
+                <a:cs typeface="+mn-cs"/>
+              </a:rPr>
+              <a:t>Xamarin</a:t>
+            </a:r>
+            <a:r>
+              <a:rPr lang="en-US" sz="1200" b="0" i="1" kern="1200" dirty="0" smtClean="0">
+                <a:solidFill>
+                  <a:schemeClr val="tx1"/>
+                </a:solidFill>
+                <a:effectLst/>
+                <a:latin typeface="+mn-lt"/>
+                <a:ea typeface="+mn-ea"/>
+                <a:cs typeface="+mn-cs"/>
+              </a:rPr>
+              <a:t> Mobile Application Development </a:t>
+            </a:r>
+            <a:r>
+              <a:rPr lang="en-US" sz="1200" b="0" i="0" kern="1200" dirty="0" smtClean="0">
+                <a:solidFill>
+                  <a:schemeClr val="tx1"/>
+                </a:solidFill>
+                <a:effectLst/>
+                <a:latin typeface="+mn-lt"/>
+                <a:ea typeface="+mn-ea"/>
+                <a:cs typeface="+mn-cs"/>
+              </a:rPr>
+              <a:t>by Dan Hermes, published by </a:t>
+            </a:r>
+            <a:r>
+              <a:rPr lang="en-US" sz="1200" b="0" i="0" kern="1200" dirty="0" err="1" smtClean="0">
+                <a:solidFill>
+                  <a:schemeClr val="tx1"/>
+                </a:solidFill>
+                <a:effectLst/>
+                <a:latin typeface="+mn-lt"/>
+                <a:ea typeface="+mn-ea"/>
+                <a:cs typeface="+mn-cs"/>
+              </a:rPr>
+              <a:t>Apress</a:t>
+            </a:r>
+            <a:r>
+              <a:rPr lang="en-US" sz="1200" b="0" i="0" kern="1200" dirty="0" smtClean="0">
+                <a:solidFill>
+                  <a:schemeClr val="tx1"/>
+                </a:solidFill>
+                <a:effectLst/>
+                <a:latin typeface="+mn-lt"/>
+                <a:ea typeface="+mn-ea"/>
+                <a:cs typeface="+mn-cs"/>
+              </a:rPr>
+              <a:t>  </a:t>
+            </a:r>
+          </a:p>
+          <a:p>
+            <a:r>
+              <a:rPr lang="en-US" sz="1200" b="0" i="0" kern="1200" dirty="0" smtClean="0">
+                <a:solidFill>
+                  <a:schemeClr val="tx1"/>
+                </a:solidFill>
+                <a:effectLst/>
+                <a:latin typeface="+mn-lt"/>
+                <a:ea typeface="+mn-ea"/>
+                <a:cs typeface="+mn-cs"/>
+                <a:hlinkClick r:id="rId3"/>
+              </a:rPr>
+              <a:t>http://www.mobilecsharpcafe.com/xamarin</a:t>
+            </a:r>
+            <a:r>
+              <a:rPr lang="en-US" sz="1200" b="0" i="0" kern="1200" smtClean="0">
+                <a:solidFill>
+                  <a:schemeClr val="tx1"/>
+                </a:solidFill>
+                <a:effectLst/>
+                <a:latin typeface="+mn-lt"/>
+                <a:ea typeface="+mn-ea"/>
+                <a:cs typeface="+mn-cs"/>
+                <a:hlinkClick r:id="rId3"/>
+              </a:rPr>
+              <a:t>-book/</a:t>
+            </a:r>
+            <a:endParaRPr lang="en-US" sz="1200" b="0" i="0" kern="1200" smtClean="0">
+              <a:solidFill>
+                <a:schemeClr val="tx1"/>
+              </a:solidFill>
+              <a:effectLst/>
+              <a:latin typeface="+mn-lt"/>
+              <a:ea typeface="+mn-ea"/>
+              <a:cs typeface="+mn-cs"/>
+            </a:endParaRPr>
+          </a:p>
+          <a:p>
             <a:endParaRPr lang="en-US" dirty="0"/>
           </a:p>
         </p:txBody>
@@ -3416,7 +3527,7 @@
           <a:p>
             <a:fld id="{0459C166-16D3-4A25-A2F8-C51E0E346B22}" type="datetimeFigureOut">
               <a:rPr lang="en-US" smtClean="0"/>
-              <a:t>7/7/16</a:t>
+              <a:t>9/9/16</a:t>
             </a:fld>
             <a:endParaRPr lang="en-US"/>
           </a:p>
@@ -3780,7 +3891,7 @@
           <a:p>
             <a:fld id="{0459C166-16D3-4A25-A2F8-C51E0E346B22}" type="datetimeFigureOut">
               <a:rPr lang="en-US" smtClean="0"/>
-              <a:t>7/7/16</a:t>
+              <a:t>9/9/16</a:t>
             </a:fld>
             <a:endParaRPr lang="en-US"/>
           </a:p>
@@ -3897,7 +4008,7 @@
           <a:p>
             <a:fld id="{0459C166-16D3-4A25-A2F8-C51E0E346B22}" type="datetimeFigureOut">
               <a:rPr lang="en-US" smtClean="0"/>
-              <a:t>7/7/16</a:t>
+              <a:t>9/9/16</a:t>
             </a:fld>
             <a:endParaRPr lang="en-US"/>
           </a:p>
@@ -3992,7 +4103,7 @@
           <a:p>
             <a:fld id="{0459C166-16D3-4A25-A2F8-C51E0E346B22}" type="datetimeFigureOut">
               <a:rPr lang="en-US" smtClean="0"/>
-              <a:t>7/7/16</a:t>
+              <a:t>9/9/16</a:t>
             </a:fld>
             <a:endParaRPr lang="en-US"/>
           </a:p>
@@ -4267,7 +4378,7 @@
           <a:p>
             <a:fld id="{0459C166-16D3-4A25-A2F8-C51E0E346B22}" type="datetimeFigureOut">
               <a:rPr lang="en-US" smtClean="0"/>
-              <a:t>7/7/16</a:t>
+              <a:t>9/9/16</a:t>
             </a:fld>
             <a:endParaRPr lang="en-US"/>
           </a:p>
@@ -4519,7 +4630,7 @@
           <a:p>
             <a:fld id="{0459C166-16D3-4A25-A2F8-C51E0E346B22}" type="datetimeFigureOut">
               <a:rPr lang="en-US" smtClean="0"/>
-              <a:t>7/7/16</a:t>
+              <a:t>9/9/16</a:t>
             </a:fld>
             <a:endParaRPr lang="en-US"/>
           </a:p>
@@ -4687,7 +4798,7 @@
           <a:p>
             <a:fld id="{0459C166-16D3-4A25-A2F8-C51E0E346B22}" type="datetimeFigureOut">
               <a:rPr lang="en-US" smtClean="0"/>
-              <a:t>7/7/16</a:t>
+              <a:t>9/9/16</a:t>
             </a:fld>
             <a:endParaRPr lang="en-US"/>
           </a:p>
@@ -4865,7 +4976,7 @@
           <a:p>
             <a:fld id="{0459C166-16D3-4A25-A2F8-C51E0E346B22}" type="datetimeFigureOut">
               <a:rPr lang="en-US" smtClean="0"/>
-              <a:t>7/7/16</a:t>
+              <a:t>9/9/16</a:t>
             </a:fld>
             <a:endParaRPr lang="en-US"/>
           </a:p>
@@ -5033,7 +5144,7 @@
           <a:p>
             <a:fld id="{0459C166-16D3-4A25-A2F8-C51E0E346B22}" type="datetimeFigureOut">
               <a:rPr lang="en-US" smtClean="0"/>
-              <a:t>7/7/16</a:t>
+              <a:t>9/9/16</a:t>
             </a:fld>
             <a:endParaRPr lang="en-US"/>
           </a:p>
@@ -5297,7 +5408,7 @@
             <a:fld id="{0459C166-16D3-4A25-A2F8-C51E0E346B22}" type="datetimeFigureOut">
               <a:rPr lang="en-US" smtClean="0"/>
               <a:pPr/>
-              <a:t>7/7/16</a:t>
+              <a:t>9/9/16</a:t>
             </a:fld>
             <a:endParaRPr lang="en-US"/>
           </a:p>
@@ -5613,7 +5724,7 @@
           <a:p>
             <a:fld id="{0459C166-16D3-4A25-A2F8-C51E0E346B22}" type="datetimeFigureOut">
               <a:rPr lang="en-US" smtClean="0"/>
-              <a:t>7/7/16</a:t>
+              <a:t>9/9/16</a:t>
             </a:fld>
             <a:endParaRPr lang="en-US"/>
           </a:p>
@@ -6005,7 +6116,7 @@
           <a:p>
             <a:fld id="{0459C166-16D3-4A25-A2F8-C51E0E346B22}" type="datetimeFigureOut">
               <a:rPr lang="en-US" smtClean="0"/>
-              <a:t>7/7/16</a:t>
+              <a:t>9/9/16</a:t>
             </a:fld>
             <a:endParaRPr lang="en-US"/>
           </a:p>
@@ -6966,7 +7077,7 @@
           <a:p>
             <a:fld id="{0459C166-16D3-4A25-A2F8-C51E0E346B22}" type="datetimeFigureOut">
               <a:rPr lang="en-US" smtClean="0"/>
-              <a:t>7/7/16</a:t>
+              <a:t>9/9/16</a:t>
             </a:fld>
             <a:endParaRPr lang="en-US"/>
           </a:p>
@@ -7177,7 +7288,7 @@
           <a:p>
             <a:fld id="{0459C166-16D3-4A25-A2F8-C51E0E346B22}" type="datetimeFigureOut">
               <a:rPr lang="en-US" smtClean="0"/>
-              <a:t>7/7/16</a:t>
+              <a:t>9/9/16</a:t>
             </a:fld>
             <a:endParaRPr lang="en-US"/>
           </a:p>
@@ -11218,14 +11329,14 @@
                 <a:gridCol w="5533314">
                   <a:extLst>
                     <a:ext uri="{9D8B030D-6E8A-4147-A177-3AD203B41FA5}">
-                      <a16:colId xmlns="" xmlns:a16="http://schemas.microsoft.com/office/drawing/2014/main" val="48614039"/>
+                      <a16:colId xmlns:a16="http://schemas.microsoft.com/office/drawing/2014/main" xmlns="" val="48614039"/>
                     </a:ext>
                   </a:extLst>
                 </a:gridCol>
                 <a:gridCol w="5533314">
                   <a:extLst>
                     <a:ext uri="{9D8B030D-6E8A-4147-A177-3AD203B41FA5}">
-                      <a16:colId xmlns="" xmlns:a16="http://schemas.microsoft.com/office/drawing/2014/main" val="1124546490"/>
+                      <a16:colId xmlns:a16="http://schemas.microsoft.com/office/drawing/2014/main" xmlns="" val="1124546490"/>
                     </a:ext>
                   </a:extLst>
                 </a:gridCol>
@@ -11277,7 +11388,7 @@
                 </a:tc>
                 <a:extLst>
                   <a:ext uri="{0D108BD9-81ED-4DB2-BD59-A6C34878D82A}">
-                    <a16:rowId xmlns="" xmlns:a16="http://schemas.microsoft.com/office/drawing/2014/main" val="679667022"/>
+                    <a16:rowId xmlns:a16="http://schemas.microsoft.com/office/drawing/2014/main" xmlns="" val="679667022"/>
                   </a:ext>
                 </a:extLst>
               </a:tr>
@@ -11333,7 +11444,7 @@
                 </a:tc>
                 <a:extLst>
                   <a:ext uri="{0D108BD9-81ED-4DB2-BD59-A6C34878D82A}">
-                    <a16:rowId xmlns="" xmlns:a16="http://schemas.microsoft.com/office/drawing/2014/main" val="2034482246"/>
+                    <a16:rowId xmlns:a16="http://schemas.microsoft.com/office/drawing/2014/main" xmlns="" val="2034482246"/>
                   </a:ext>
                 </a:extLst>
               </a:tr>
@@ -11388,7 +11499,7 @@
                 </a:tc>
                 <a:extLst>
                   <a:ext uri="{0D108BD9-81ED-4DB2-BD59-A6C34878D82A}">
-                    <a16:rowId xmlns="" xmlns:a16="http://schemas.microsoft.com/office/drawing/2014/main" val="682465758"/>
+                    <a16:rowId xmlns:a16="http://schemas.microsoft.com/office/drawing/2014/main" xmlns="" val="682465758"/>
                   </a:ext>
                 </a:extLst>
               </a:tr>
@@ -11442,7 +11553,7 @@
                 </a:tc>
                 <a:extLst>
                   <a:ext uri="{0D108BD9-81ED-4DB2-BD59-A6C34878D82A}">
-                    <a16:rowId xmlns="" xmlns:a16="http://schemas.microsoft.com/office/drawing/2014/main" val="4230228483"/>
+                    <a16:rowId xmlns:a16="http://schemas.microsoft.com/office/drawing/2014/main" xmlns="" val="4230228483"/>
                   </a:ext>
                 </a:extLst>
               </a:tr>
@@ -11507,7 +11618,7 @@
                 </a:tc>
                 <a:extLst>
                   <a:ext uri="{0D108BD9-81ED-4DB2-BD59-A6C34878D82A}">
-                    <a16:rowId xmlns="" xmlns:a16="http://schemas.microsoft.com/office/drawing/2014/main" val="3329658239"/>
+                    <a16:rowId xmlns:a16="http://schemas.microsoft.com/office/drawing/2014/main" xmlns="" val="3329658239"/>
                   </a:ext>
                 </a:extLst>
               </a:tr>
@@ -14832,11 +14943,7 @@
           <a:p>
             <a:r>
               <a:rPr lang="en-US" sz="5400" dirty="0"/>
-              <a:t>Basic </a:t>
-            </a:r>
-            <a:r>
-              <a:rPr lang="en-US" sz="5400" dirty="0"/>
-              <a:t>W</a:t>
+              <a:t>Basic W</a:t>
             </a:r>
             <a:r>
               <a:rPr lang="en-US" sz="5400" dirty="0" smtClean="0"/>
@@ -15410,7 +15517,7 @@
   <a:extraClrSchemeLst/>
   <a:extLst>
     <a:ext uri="{05A4C25C-085E-4340-85A3-A5531E510DB2}">
-      <thm15:themeFamily xmlns="" xmlns:thm15="http://schemas.microsoft.com/office/thememl/2012/main" name="Office Theme" id="{62F939B6-93AF-4DB8-9C6B-D6C7DFDC589F}" vid="{4A3C46E8-61CC-4603-A589-7422A47A8E4A}"/>
+      <thm15:themeFamily xmlns:thm15="http://schemas.microsoft.com/office/thememl/2012/main" name="Office Theme" id="{62F939B6-93AF-4DB8-9C6B-D6C7DFDC589F}" vid="{4A3C46E8-61CC-4603-A589-7422A47A8E4A}"/>
     </a:ext>
   </a:extLst>
 </a:theme>
@@ -15705,7 +15812,7 @@
   <a:extraClrSchemeLst/>
   <a:extLst>
     <a:ext uri="{05A4C25C-085E-4340-85A3-A5531E510DB2}">
-      <thm15:themeFamily xmlns="" xmlns:thm15="http://schemas.microsoft.com/office/thememl/2012/main" name="Office Theme" id="{62F939B6-93AF-4DB8-9C6B-D6C7DFDC589F}" vid="{4A3C46E8-61CC-4603-A589-7422A47A8E4A}"/>
+      <thm15:themeFamily xmlns:thm15="http://schemas.microsoft.com/office/thememl/2012/main" name="Office Theme" id="{62F939B6-93AF-4DB8-9C6B-D6C7DFDC589F}" vid="{4A3C46E8-61CC-4603-A589-7422A47A8E4A}"/>
     </a:ext>
   </a:extLst>
 </a:theme>
